--- a/01_FoundationProjects/RCC08_Robot_Car_Control_Using_Bluetooth/RCC08_Robot_Car_Control_Using_Bluetooth.pptx
+++ b/01_FoundationProjects/RCC08_Robot_Car_Control_Using_Bluetooth/RCC08_Robot_Car_Control_Using_Bluetooth.pptx
@@ -203,7 +203,7 @@
           <a:p>
             <a:fld id="{2A311A46-23A7-4CAD-863D-6397CDAD4FD2}" type="datetimeFigureOut">
               <a:rPr lang="en-GB" smtClean="0"/>
-              <a:t>11/01/2026</a:t>
+              <a:t>17/01/2026</a:t>
             </a:fld>
             <a:endParaRPr lang="en-GB"/>
           </a:p>
@@ -8495,7 +8495,7 @@
         </p:nvSpPr>
         <p:spPr bwMode="auto">
           <a:xfrm>
-            <a:off x="6420465" y="5339202"/>
+            <a:off x="6659109" y="4834285"/>
             <a:ext cx="5771535" cy="584775"/>
           </a:xfrm>
           <a:prstGeom prst="rect">
@@ -8655,8 +8655,8 @@
         </p:nvSpPr>
         <p:spPr>
           <a:xfrm>
-            <a:off x="6510130" y="5923977"/>
-            <a:ext cx="4885191" cy="307777"/>
+            <a:off x="6775859" y="5393410"/>
+            <a:ext cx="4885191" cy="1169551"/>
           </a:xfrm>
           <a:prstGeom prst="rect">
             <a:avLst/>
@@ -8768,7 +8768,14 @@
             </a:lvl9pPr>
           </a:lstStyle>
           <a:p>
-            <a:endParaRPr lang="en-GB" dirty="0"/>
+            <a:r>
+              <a:rPr lang="en-GB" dirty="0">
+                <a:solidFill>
+                  <a:srgbClr val="00B0F0"/>
+                </a:solidFill>
+              </a:rPr>
+              <a:t>https://github.com/info-zas/zas-robotics-car-2-communications/blob/main/01_FoundationProjects/RCC08_Robot_Car_Control_Using_Bluetooth/RCC08_Roboti_Car_Control_Using_Bluetooth_Rx/RCC08_Roboti_Car_Control_Using_Bluetooth_Rx.ino</a:t>
+            </a:r>
           </a:p>
         </p:txBody>
       </p:sp>
@@ -9665,10 +9672,10 @@
       </p:sp>
       <p:sp>
         <p:nvSpPr>
-          <p:cNvPr id="10" name="TextBox 13">
+          <p:cNvPr id="3" name="TextBox 13">
             <a:extLst>
               <a:ext uri="{FF2B5EF4-FFF2-40B4-BE49-F238E27FC236}">
-                <a16:creationId xmlns:a16="http://schemas.microsoft.com/office/drawing/2014/main" id="{2B5C408D-51FA-D248-E936-CA9DBC870C2C}"/>
+                <a16:creationId xmlns:a16="http://schemas.microsoft.com/office/drawing/2014/main" id="{3752CF6B-46B9-C8F5-99D5-78EBFA615E3E}"/>
               </a:ext>
             </a:extLst>
           </p:cNvPr>
@@ -9677,7 +9684,7 @@
         </p:nvSpPr>
         <p:spPr bwMode="auto">
           <a:xfrm>
-            <a:off x="5093109" y="5801589"/>
+            <a:off x="324465" y="4159713"/>
             <a:ext cx="5771535" cy="584775"/>
           </a:xfrm>
           <a:prstGeom prst="rect">
@@ -9789,38 +9796,46 @@
               <a:defRPr/>
             </a:pPr>
             <a:r>
+              <a:rPr lang="en-US" sz="1600" b="1" dirty="0">
+                <a:solidFill>
+                  <a:srgbClr val="FFFF00"/>
+                </a:solidFill>
+              </a:rPr>
+              <a:t>Code for RCC08_Robot_Car_Control_Using_Bluetooth_Rx</a:t>
+            </a:r>
+            <a:r>
               <a:rPr lang="en-GB" sz="1600" b="1" dirty="0">
                 <a:solidFill>
-                  <a:srgbClr val="00B0F0"/>
+                  <a:srgbClr val="FFFF00"/>
                 </a:solidFill>
               </a:rPr>
-              <a:t>Code for Lesson RCC08 (</a:t>
-            </a:r>
-            <a:r>
-              <a:rPr lang="en-US" sz="1600" b="1" dirty="0">
-                <a:solidFill>
-                  <a:srgbClr val="00B0F0"/>
+              <a:t>.</a:t>
+            </a:r>
+            <a:r>
+              <a:rPr lang="en-GB" sz="1600" b="1" dirty="0" err="1">
+                <a:solidFill>
+                  <a:srgbClr val="FFFF00"/>
                 </a:solidFill>
               </a:rPr>
-              <a:t>RCC08_Robot_Car_Control_Using_Bluetooth_Rx</a:t>
+              <a:t>ino</a:t>
             </a:r>
             <a:r>
               <a:rPr lang="en-GB" sz="1600" b="1" dirty="0">
                 <a:solidFill>
-                  <a:srgbClr val="00B0F0"/>
+                  <a:srgbClr val="FFFF00"/>
                 </a:solidFill>
               </a:rPr>
-              <a:t>.ino):</a:t>
-            </a:r>
-          </a:p>
-        </p:txBody>
-      </p:sp>
-      <p:sp>
-        <p:nvSpPr>
-          <p:cNvPr id="12" name="TextBox 11">
+              <a:t>):</a:t>
+            </a:r>
+          </a:p>
+        </p:txBody>
+      </p:sp>
+      <p:sp>
+        <p:nvSpPr>
+          <p:cNvPr id="8" name="TextBox 7">
             <a:extLst>
               <a:ext uri="{FF2B5EF4-FFF2-40B4-BE49-F238E27FC236}">
-                <a16:creationId xmlns:a16="http://schemas.microsoft.com/office/drawing/2014/main" id="{67DFF2F7-B3C0-823E-37DA-772B7F92B1B7}"/>
+                <a16:creationId xmlns:a16="http://schemas.microsoft.com/office/drawing/2014/main" id="{5D15A49F-9A45-4697-03FD-A5E64B59183B}"/>
               </a:ext>
             </a:extLst>
           </p:cNvPr>
@@ -9829,8 +9844,8 @@
         </p:nvSpPr>
         <p:spPr>
           <a:xfrm>
-            <a:off x="5182774" y="6386364"/>
-            <a:ext cx="4885191" cy="307777"/>
+            <a:off x="441215" y="4718838"/>
+            <a:ext cx="4885191" cy="1169551"/>
           </a:xfrm>
           <a:prstGeom prst="rect">
             <a:avLst/>
@@ -9942,7 +9957,14 @@
             </a:lvl9pPr>
           </a:lstStyle>
           <a:p>
-            <a:endParaRPr lang="en-GB" dirty="0"/>
+            <a:r>
+              <a:rPr lang="en-GB" dirty="0">
+                <a:solidFill>
+                  <a:srgbClr val="00B0F0"/>
+                </a:solidFill>
+              </a:rPr>
+              <a:t>https://github.com/info-zas/zas-robotics-car-2-communications/blob/main/01_FoundationProjects/RCC08_Robot_Car_Control_Using_Bluetooth/RCC08_Roboti_Car_Control_Using_Bluetooth_Rx/RCC08_Roboti_Car_Control_Using_Bluetooth_Rx.ino</a:t>
+            </a:r>
           </a:p>
         </p:txBody>
       </p:sp>
